--- a/JP/JPL02_slide_TLM.pptx
+++ b/JP/JPL02_slide_TLM.pptx
@@ -238,7 +238,7 @@
           <a:p>
             <a:fld id="{9C4CBB43-E31D-44A0-A53C-703516A088F9}" type="datetimeFigureOut">
               <a:rPr kumimoji="1" lang="ja-JP" altLang="en-US" smtClean="0"/>
-              <a:t>2025/8/12</a:t>
+              <a:t>2025/8/21</a:t>
             </a:fld>
             <a:endParaRPr kumimoji="1" lang="ja-JP" altLang="en-US"/>
           </a:p>
@@ -416,7 +416,7 @@
           <a:p>
             <a:fld id="{0F5249E7-E526-41BC-878D-DBB27AF3BCB6}" type="datetimeFigureOut">
               <a:rPr kumimoji="1" lang="ja-JP" altLang="en-US" smtClean="0"/>
-              <a:t>2025/8/12</a:t>
+              <a:t>2025/8/21</a:t>
             </a:fld>
             <a:endParaRPr kumimoji="1" lang="ja-JP" altLang="en-US"/>
           </a:p>
@@ -4029,6 +4029,12 @@
             <a:pPr marL="0" indent="0">
               <a:buNone/>
             </a:pPr>
+            <a:r>
+              <a:rPr kumimoji="1" lang="en-US" altLang="ja-JP" sz="2000" dirty="0">
+                <a:hlinkClick r:id="rId2"/>
+              </a:rPr>
+              <a:t>@hojicya_study</a:t>
+            </a:r>
             <a:endParaRPr kumimoji="1" lang="ja-JP" altLang="en-US" sz="2000" dirty="0"/>
           </a:p>
         </p:txBody>
@@ -4065,6 +4071,10 @@
             <a:pPr marL="0" indent="0">
               <a:buNone/>
             </a:pPr>
+            <a:r>
+              <a:rPr lang="ja-JP" altLang="en-US" sz="2000" dirty="0"/>
+              <a:t>ほうじ茶</a:t>
+            </a:r>
             <a:endParaRPr kumimoji="1" lang="ja-JP" altLang="en-US" sz="2000" dirty="0"/>
           </a:p>
         </p:txBody>
@@ -4112,10 +4122,14 @@
         </p:nvSpPr>
         <p:spPr/>
         <p:txBody>
-          <a:bodyPr/>
+          <a:bodyPr anchor="ctr"/>
           <a:lstStyle/>
           <a:p>
-            <a:endParaRPr lang="ja-JP" altLang="en-US"/>
+            <a:r>
+              <a:rPr lang="en-US" altLang="ja-JP" dirty="0"/>
+              <a:t>Yr. 2025</a:t>
+            </a:r>
+            <a:endParaRPr lang="ja-JP" altLang="en-US" dirty="0"/>
           </a:p>
         </p:txBody>
       </p:sp>
@@ -7577,7 +7591,7 @@
               <a:rPr lang="en-US" altLang="ja-JP" dirty="0">
                 <a:hlinkClick r:id="rId2"/>
               </a:rPr>
-              <a:t>https://adwin-learning.com/MD/chapter1_3</a:t>
+              <a:t>adwin-learning.com/MD/chapter1_3</a:t>
             </a:r>
             <a:endParaRPr kumimoji="1" lang="ja-JP" altLang="en-US" dirty="0"/>
           </a:p>
@@ -8103,7 +8117,7 @@
                 <a:rPr lang="en-US" altLang="ja-JP" dirty="0">
                   <a:hlinkClick r:id="rId5"/>
                 </a:rPr>
-                <a:t>https://soco-st.com/16180</a:t>
+                <a:t>soco-st.com/16180</a:t>
               </a:r>
               <a:endParaRPr lang="en-US" altLang="ja-JP" dirty="0"/>
             </a:p>
@@ -8344,7 +8358,7 @@
                 <a:rPr lang="en-US" altLang="ja-JP" dirty="0">
                   <a:hlinkClick r:id="rId7"/>
                 </a:rPr>
-                <a:t>https://www.irasutoya.com</a:t>
+                <a:t>www.irasutoya.com</a:t>
               </a:r>
               <a:endParaRPr lang="ja-JP" altLang="en-US" dirty="0"/>
             </a:p>
@@ -10360,7 +10374,7 @@
               <a:rPr lang="en-US" altLang="ja-JP" dirty="0">
                 <a:hlinkClick r:id="rId2"/>
               </a:rPr>
-              <a:t>https://illust8.com/contents/2734</a:t>
+              <a:t>illust8.com/contents/2734</a:t>
             </a:r>
             <a:endParaRPr lang="en-US" altLang="ja-JP" dirty="0"/>
           </a:p>
@@ -10736,7 +10750,7 @@
               <a:rPr lang="en-US" altLang="ja-JP" dirty="0">
                 <a:hlinkClick r:id="rId2"/>
               </a:rPr>
-              <a:t>https://www.irasutoya.com</a:t>
+              <a:t>www.irasutoya.com</a:t>
             </a:r>
             <a:endParaRPr lang="ja-JP" altLang="en-US" dirty="0"/>
           </a:p>
@@ -30645,7 +30659,7 @@
               <a:rPr lang="en-US" altLang="ja-JP" dirty="0">
                 <a:hlinkClick r:id="rId2"/>
               </a:rPr>
-              <a:t>https://www.irasutoya.com</a:t>
+              <a:t>www.irasutoya.com</a:t>
             </a:r>
             <a:endParaRPr lang="ja-JP" altLang="en-US" dirty="0"/>
           </a:p>
@@ -31704,7 +31718,7 @@
               <a:rPr lang="en-US" altLang="ja-JP" dirty="0">
                 <a:hlinkClick r:id="rId2"/>
               </a:rPr>
-              <a:t>https://sozai.manabihiroba.net/rika/185</a:t>
+              <a:t>sozai.manabihiroba.net/rika/185</a:t>
             </a:r>
             <a:endParaRPr kumimoji="1" lang="ja-JP" altLang="en-US" dirty="0"/>
           </a:p>
